--- a/presentation.pptx
+++ b/presentation.pptx
@@ -4864,7 +4864,7 @@
           </a:bodyPr>
           <a:p>
             <a:pPr algn="ctr"/>
-            <a:fld id="{4549A2B8-CB67-45A2-BE3F-1C3C312F3868}" type="slidenum">
+            <a:fld id="{1F93FD5F-5109-4A9C-AAE5-E3875422B92F}" type="slidenum">
               <a:rPr b="1" lang="en-US" sz="1800" spc="-1" strike="noStrike">
                 <a:solidFill>
                   <a:srgbClr val="ffffff"/>
@@ -5286,7 +5286,7 @@
           </a:bodyPr>
           <a:p>
             <a:pPr algn="ctr"/>
-            <a:fld id="{025AD2E8-ECBC-47FE-9087-CB91EAA786AA}" type="slidenum">
+            <a:fld id="{C385810B-6D9F-42FE-A81A-8FA9A7EDFDE4}" type="slidenum">
               <a:rPr b="1" lang="en-US" sz="1800" spc="-1" strike="noStrike">
                 <a:solidFill>
                   <a:srgbClr val="ffffff"/>
@@ -5711,7 +5711,7 @@
           </a:bodyPr>
           <a:p>
             <a:pPr algn="ctr"/>
-            <a:fld id="{3FB5B5F6-057B-4D55-9E40-BFED06A7BCD0}" type="slidenum">
+            <a:fld id="{BB063E74-96E4-4B04-BC01-0A51B62160C1}" type="slidenum">
               <a:rPr b="1" lang="en-US" sz="1800" spc="-1" strike="noStrike">
                 <a:solidFill>
                   <a:srgbClr val="ffffff"/>
@@ -5822,7 +5822,7 @@
               </a:rPr>
               <a:t>Appathon</a:t>
             </a:r>
-            <a:endParaRPr b="1" lang="zxx" sz="3600" spc="-1" strike="noStrike">
+            <a:endParaRPr b="1" lang="en-US" sz="3600" spc="-1" strike="noStrike">
               <a:solidFill>
                 <a:srgbClr val="ffffff"/>
               </a:solidFill>
@@ -5865,7 +5865,7 @@
               </a:rPr>
               <a:t>Καλογερόπουλος Ιωάννης</a:t>
             </a:r>
-            <a:endParaRPr b="0" lang="zxx" sz="2200" spc="-1" strike="noStrike">
+            <a:endParaRPr b="0" lang="en-US" sz="2200" spc="-1" strike="noStrike">
               <a:solidFill>
                 <a:srgbClr val="ffffff"/>
               </a:solidFill>
@@ -5883,7 +5883,7 @@
               </a:rPr>
               <a:t>Α.Μ.: 03116117</a:t>
             </a:r>
-            <a:endParaRPr b="0" lang="zxx" sz="2200" spc="-1" strike="noStrike">
+            <a:endParaRPr b="0" lang="en-US" sz="2200" spc="-1" strike="noStrike">
               <a:solidFill>
                 <a:srgbClr val="ffffff"/>
               </a:solidFill>
@@ -6015,7 +6015,7 @@
               </a:rPr>
               <a:t>:</a:t>
             </a:r>
-            <a:endParaRPr b="0" lang="en-US" sz="3200" spc="-1" strike="noStrike">
+            <a:endParaRPr b="1" lang="en-US" sz="3200" spc="-1" strike="noStrike">
               <a:solidFill>
                 <a:srgbClr val="2c3e50"/>
               </a:solidFill>
@@ -6076,10 +6076,7 @@
               <a:t>.</a:t>
             </a:r>
             <a:endParaRPr b="0" lang="en-US" sz="2800" spc="-1" strike="noStrike">
-              <a:solidFill>
-                <a:srgbClr val="2c3e50"/>
-              </a:solidFill>
-              <a:latin typeface="Noto Sans SemiBold"/>
+              <a:latin typeface="Noto Sans Regular"/>
             </a:endParaRPr>
           </a:p>
           <a:p>
@@ -6111,10 +6108,7 @@
               <a:t>της python.</a:t>
             </a:r>
             <a:endParaRPr b="0" lang="en-US" sz="2800" spc="-1" strike="noStrike">
-              <a:solidFill>
-                <a:srgbClr val="2c3e50"/>
-              </a:solidFill>
-              <a:latin typeface="Noto Sans SemiBold"/>
+              <a:latin typeface="Noto Sans Regular"/>
             </a:endParaRPr>
           </a:p>
         </p:txBody>
@@ -6265,7 +6259,7 @@
               </a:rPr>
               <a:t>.</a:t>
             </a:r>
-            <a:endParaRPr b="0" lang="en-US" sz="3200" spc="-1" strike="noStrike">
+            <a:endParaRPr b="1" lang="en-US" sz="3200" spc="-1" strike="noStrike">
               <a:solidFill>
                 <a:srgbClr val="2c3e50"/>
               </a:solidFill>
@@ -6282,7 +6276,7 @@
               </a:rPr>
               <a:t>Οι εντολές που θα χρησιμοποιηθούν υπάρχουν και στο README αρχείο στο repository στο github.</a:t>
             </a:r>
-            <a:endParaRPr b="0" lang="en-US" sz="3200" spc="-1" strike="noStrike">
+            <a:endParaRPr b="1" lang="en-US" sz="3200" spc="-1" strike="noStrike">
               <a:solidFill>
                 <a:srgbClr val="2c3e50"/>
               </a:solidFill>
@@ -7412,6 +7406,33 @@
           </a:p>
           <a:p>
             <a:pPr algn="ctr"/>
+            <a:endParaRPr b="0" lang="en-US" sz="3200" spc="-1" strike="noStrike">
+              <a:solidFill>
+                <a:srgbClr val="2c3e50"/>
+              </a:solidFill>
+              <a:latin typeface="Noto Sans Regular"/>
+            </a:endParaRPr>
+          </a:p>
+          <a:p>
+            <a:pPr algn="ctr"/>
+            <a:endParaRPr b="0" lang="en-US" sz="3200" spc="-1" strike="noStrike">
+              <a:solidFill>
+                <a:srgbClr val="2c3e50"/>
+              </a:solidFill>
+              <a:latin typeface="Noto Sans Regular"/>
+            </a:endParaRPr>
+          </a:p>
+          <a:p>
+            <a:pPr algn="ctr"/>
+            <a:r>
+              <a:rPr b="1" lang="en-US" sz="3200" spc="-1" strike="noStrike">
+                <a:solidFill>
+                  <a:srgbClr val="2c3e50"/>
+                </a:solidFill>
+                <a:latin typeface="Noto Sans Regular"/>
+              </a:rPr>
+              <a:t>Youtube</a:t>
+            </a:r>
             <a:r>
               <a:rPr b="0" lang="en-US" sz="3200" spc="-1" strike="noStrike">
                 <a:solidFill>
@@ -7419,7 +7440,34 @@
                 </a:solidFill>
                 <a:latin typeface="Noto Sans Regular"/>
               </a:rPr>
-              <a:t>Github:https://github.com/jkalogero/Ntua-Appathon-2020</a:t>
+              <a:t>: https://youtu.be/mQdf9zvcb3Y</a:t>
+            </a:r>
+            <a:endParaRPr b="0" lang="en-US" sz="3200" spc="-1" strike="noStrike">
+              <a:solidFill>
+                <a:srgbClr val="2c3e50"/>
+              </a:solidFill>
+              <a:latin typeface="Noto Sans Regular"/>
+            </a:endParaRPr>
+          </a:p>
+          <a:p>
+            <a:pPr algn="ctr"/>
+            <a:r>
+              <a:rPr b="1" lang="en-US" sz="3200" spc="-1" strike="noStrike">
+                <a:solidFill>
+                  <a:srgbClr val="2c3e50"/>
+                </a:solidFill>
+                <a:latin typeface="Noto Sans Regular"/>
+              </a:rPr>
+              <a:t>Github</a:t>
+            </a:r>
+            <a:r>
+              <a:rPr b="0" lang="en-US" sz="3200" spc="-1" strike="noStrike">
+                <a:solidFill>
+                  <a:srgbClr val="2c3e50"/>
+                </a:solidFill>
+                <a:latin typeface="Noto Sans Regular"/>
+              </a:rPr>
+              <a:t>:https://github.com/jkalogero/Ntua-Appathon-2020</a:t>
             </a:r>
             <a:endParaRPr b="0" lang="en-US" sz="3200" spc="-1" strike="noStrike">
               <a:solidFill>
@@ -7493,7 +7541,7 @@
               </a:rPr>
               <a:t>Περιεχόμενα</a:t>
             </a:r>
-            <a:endParaRPr b="1" lang="zxx" sz="3600" spc="-1" strike="noStrike">
+            <a:endParaRPr b="1" lang="en-US" sz="3600" spc="-1" strike="noStrike">
               <a:solidFill>
                 <a:srgbClr val="ffffff"/>
               </a:solidFill>
@@ -7574,7 +7622,7 @@
               </a:rPr>
               <a:t> </a:t>
             </a:r>
-            <a:endParaRPr b="1" lang="zxx" sz="2800" spc="-1" strike="noStrike">
+            <a:endParaRPr b="1" lang="en-US" sz="2800" spc="-1" strike="noStrike">
               <a:solidFill>
                 <a:srgbClr val="2c3e50"/>
               </a:solidFill>
@@ -7630,7 +7678,7 @@
               </a:rPr>
               <a:t> </a:t>
             </a:r>
-            <a:endParaRPr b="1" lang="zxx" sz="2800" spc="-1" strike="noStrike">
+            <a:endParaRPr b="1" lang="en-US" sz="2800" spc="-1" strike="noStrike">
               <a:solidFill>
                 <a:srgbClr val="2c3e50"/>
               </a:solidFill>
@@ -7666,7 +7714,7 @@
               </a:rPr>
               <a:t>Οδηγίες για το installation και το repo.</a:t>
             </a:r>
-            <a:endParaRPr b="1" lang="zxx" sz="2800" spc="-1" strike="noStrike">
+            <a:endParaRPr b="1" lang="en-US" sz="2800" spc="-1" strike="noStrike">
               <a:solidFill>
                 <a:srgbClr val="2c3e50"/>
               </a:solidFill>
@@ -7821,34 +7869,7 @@
                 </a:solidFill>
                 <a:latin typeface="Noto Sans SemiBold"/>
               </a:rPr>
-              <a:t> και βρίσκει τα 10 πιο </a:t>
-            </a:r>
-            <a:r>
-              <a:rPr b="0" lang="en-US" sz="2500" spc="-1" strike="noStrike">
-                <a:solidFill>
-                  <a:srgbClr val="2c3e50"/>
-                </a:solidFill>
-                <a:latin typeface="Noto Sans SemiBold"/>
-              </a:rPr>
-              <a:t>χρησιμοποιούμενα φάρμακα που έχουν χρησιμοποιηθεί </a:t>
-            </a:r>
-            <a:r>
-              <a:rPr b="0" lang="en-US" sz="2500" spc="-1" strike="noStrike">
-                <a:solidFill>
-                  <a:srgbClr val="2c3e50"/>
-                </a:solidFill>
-                <a:latin typeface="Noto Sans SemiBold"/>
-              </a:rPr>
-              <a:t>εναντίων μιας συγκεκριμένης ασθένειας στις διάφορες </a:t>
-            </a:r>
-            <a:r>
-              <a:rPr b="0" lang="en-US" sz="2500" spc="-1" strike="noStrike">
-                <a:solidFill>
-                  <a:srgbClr val="2c3e50"/>
-                </a:solidFill>
-                <a:latin typeface="Noto Sans SemiBold"/>
-              </a:rPr>
-              <a:t>έρευνες που έχουν πραγματοποιηθεί.</a:t>
+              <a:t> και βρίσκει τα 10 πιο χρησιμοποιούμενα φάρμακα που έχουν χρησιμοποιηθεί εναντίων μιας συγκεκριμένης ασθένειας στις διάφορες έρευνες που έχουν πραγματοποιηθεί.</a:t>
             </a:r>
             <a:endParaRPr b="1" lang="en-US" sz="2500" spc="-1" strike="noStrike">
               <a:solidFill>
@@ -7997,7 +8018,7 @@
               </a:rPr>
               <a:t>Έχοντας επιλέξει μία συκγεκριμένη ασθένεια και κάνοντας αναζήτηση προκύπτουν τα αποτελέσματα, μαζί με τον αριθμό των φορών που χρησιμοποιήθηκε το κάθε φάρμακο.</a:t>
             </a:r>
-            <a:endParaRPr b="0" lang="en-US" sz="2500" spc="-1" strike="noStrike">
+            <a:endParaRPr b="1" lang="en-US" sz="2500" spc="-1" strike="noStrike">
               <a:solidFill>
                 <a:srgbClr val="2c3e50"/>
               </a:solidFill>
@@ -8134,7 +8155,7 @@
               </a:rPr>
               <a:t>Επιλέγοντας από τη λίστα των αποτελεσμάτων ένα συγκεκριμένο φάρμακο, ανοίγει ένα modal που παραθέτει υπόλοιπες ασθένειες εναντίων των οποίων έχει χρησιμοποιηθεί, όπως προκύπτουν από τα δεδομένα.</a:t>
             </a:r>
-            <a:endParaRPr b="0" lang="en-US" sz="3200" spc="-1" strike="noStrike">
+            <a:endParaRPr b="1" lang="en-US" sz="3200" spc="-1" strike="noStrike">
               <a:solidFill>
                 <a:srgbClr val="2c3e50"/>
               </a:solidFill>
@@ -8271,7 +8292,7 @@
               </a:rPr>
               <a:t>Στο section Statistics παραθέτονται στατιστικά για τα διάφορα “Intervention Drugs”, παρουσιάζοντας σε διάγραμμα τα 10 πιο “δημοφιλή”.</a:t>
             </a:r>
-            <a:endParaRPr b="0" lang="en-US" sz="3000" spc="-1" strike="noStrike">
+            <a:endParaRPr b="1" lang="en-US" sz="3000" spc="-1" strike="noStrike">
               <a:solidFill>
                 <a:srgbClr val="2c3e50"/>
               </a:solidFill>
@@ -8406,18 +8427,9 @@
                 </a:solidFill>
                 <a:latin typeface="Noto Sans SemiBold"/>
               </a:rPr>
-              <a:t>Τέλος, η καρτέλα About περιλαμβάνει </a:t>
-            </a:r>
-            <a:r>
-              <a:rPr b="0" lang="en-US" sz="3200" spc="-1" strike="noStrike">
-                <a:solidFill>
-                  <a:srgbClr val="2c3e50"/>
-                </a:solidFill>
-                <a:latin typeface="Noto Sans SemiBold"/>
-              </a:rPr>
-              <a:t>τυπικές πληροφορίες για το project.</a:t>
-            </a:r>
-            <a:endParaRPr b="0" lang="en-US" sz="3200" spc="-1" strike="noStrike">
+              <a:t>Τέλος, η καρτέλα About περιλαμβάνει τυπικές πληροφορίες για το project.</a:t>
+            </a:r>
+            <a:endParaRPr b="1" lang="en-US" sz="3200" spc="-1" strike="noStrike">
               <a:solidFill>
                 <a:srgbClr val="2c3e50"/>
               </a:solidFill>
@@ -8848,18 +8860,9 @@
                 </a:solidFill>
                 <a:latin typeface="Noto Sans SemiBold"/>
               </a:rPr>
-              <a:t>της Angular</a:t>
-            </a:r>
-            <a:r>
-              <a:rPr b="0" lang="en-US" sz="3200" spc="-1" strike="noStrike">
-                <a:solidFill>
-                  <a:srgbClr val="2c3e50"/>
-                </a:solidFill>
-                <a:latin typeface="Noto Sans SemiBold"/>
-              </a:rPr>
-              <a:t>.</a:t>
-            </a:r>
-            <a:endParaRPr b="0" lang="en-US" sz="3200" spc="-1" strike="noStrike">
+              <a:t>της Angular.</a:t>
+            </a:r>
+            <a:endParaRPr b="1" lang="en-US" sz="3200" spc="-1" strike="noStrike">
               <a:solidFill>
                 <a:srgbClr val="2c3e50"/>
               </a:solidFill>
